--- a/lesson03.pptx
+++ b/lesson03.pptx
@@ -302,7 +302,7 @@
             <a:fld id="{85522811-C5C6-42D2-A409-F8556720C93F}" type="datetimeFigureOut">
               <a:rPr lang="uk-UA" smtClean="0"/>
               <a:pPr/>
-              <a:t>10.12.2020</a:t>
+              <a:t>14.12.2020</a:t>
             </a:fld>
             <a:endParaRPr lang="uk-UA"/>
           </a:p>
@@ -847,7 +847,7 @@
             <a:fld id="{E6FC6B0D-6115-4D7C-8040-9C8E2349BB6E}" type="datetime1">
               <a:rPr lang="uk-UA" smtClean="0"/>
               <a:pPr/>
-              <a:t>10.12.2020</a:t>
+              <a:t>14.12.2020</a:t>
             </a:fld>
             <a:endParaRPr lang="uk-UA"/>
           </a:p>
@@ -1014,7 +1014,7 @@
             <a:fld id="{996367BA-0A39-4DE2-BFC3-D5290044365E}" type="datetime1">
               <a:rPr lang="uk-UA" smtClean="0"/>
               <a:pPr/>
-              <a:t>10.12.2020</a:t>
+              <a:t>14.12.2020</a:t>
             </a:fld>
             <a:endParaRPr lang="uk-UA"/>
           </a:p>
@@ -1191,7 +1191,7 @@
             <a:fld id="{1BD6A67F-6C29-47DC-AF8A-FDB3C787DF70}" type="datetime1">
               <a:rPr lang="uk-UA" smtClean="0"/>
               <a:pPr/>
-              <a:t>10.12.2020</a:t>
+              <a:t>14.12.2020</a:t>
             </a:fld>
             <a:endParaRPr lang="uk-UA"/>
           </a:p>
@@ -1358,7 +1358,7 @@
             <a:fld id="{1657D9C5-7FF1-434F-B56E-9BAD559744E9}" type="datetime1">
               <a:rPr lang="uk-UA" smtClean="0"/>
               <a:pPr/>
-              <a:t>10.12.2020</a:t>
+              <a:t>14.12.2020</a:t>
             </a:fld>
             <a:endParaRPr lang="uk-UA"/>
           </a:p>
@@ -1601,7 +1601,7 @@
             <a:fld id="{2CEB0FC9-DE63-476B-A1A9-BE934D9049F8}" type="datetime1">
               <a:rPr lang="uk-UA" smtClean="0"/>
               <a:pPr/>
-              <a:t>10.12.2020</a:t>
+              <a:t>14.12.2020</a:t>
             </a:fld>
             <a:endParaRPr lang="uk-UA"/>
           </a:p>
@@ -1886,7 +1886,7 @@
             <a:fld id="{F964460F-86E2-4DF6-9D0F-12F5005CF375}" type="datetime1">
               <a:rPr lang="uk-UA" smtClean="0"/>
               <a:pPr/>
-              <a:t>10.12.2020</a:t>
+              <a:t>14.12.2020</a:t>
             </a:fld>
             <a:endParaRPr lang="uk-UA"/>
           </a:p>
@@ -2305,7 +2305,7 @@
             <a:fld id="{C521715E-DDCD-4267-B0A5-2918B6F6768A}" type="datetime1">
               <a:rPr lang="uk-UA" smtClean="0"/>
               <a:pPr/>
-              <a:t>10.12.2020</a:t>
+              <a:t>14.12.2020</a:t>
             </a:fld>
             <a:endParaRPr lang="uk-UA"/>
           </a:p>
@@ -2420,7 +2420,7 @@
             <a:fld id="{9289842C-EB2D-4EBB-A272-2F6A49D9794D}" type="datetime1">
               <a:rPr lang="uk-UA" smtClean="0"/>
               <a:pPr/>
-              <a:t>10.12.2020</a:t>
+              <a:t>14.12.2020</a:t>
             </a:fld>
             <a:endParaRPr lang="uk-UA"/>
           </a:p>
@@ -2512,7 +2512,7 @@
             <a:fld id="{D036F091-B700-4B52-99AC-85D0FD94D904}" type="datetime1">
               <a:rPr lang="uk-UA" smtClean="0"/>
               <a:pPr/>
-              <a:t>10.12.2020</a:t>
+              <a:t>14.12.2020</a:t>
             </a:fld>
             <a:endParaRPr lang="uk-UA"/>
           </a:p>
@@ -2786,7 +2786,7 @@
             <a:fld id="{B35DFABA-3811-4634-B803-2EAC4CD0063B}" type="datetime1">
               <a:rPr lang="uk-UA" smtClean="0"/>
               <a:pPr/>
-              <a:t>10.12.2020</a:t>
+              <a:t>14.12.2020</a:t>
             </a:fld>
             <a:endParaRPr lang="uk-UA"/>
           </a:p>
@@ -3036,7 +3036,7 @@
             <a:fld id="{8A9EA25E-F88E-463A-A119-D1E55A881002}" type="datetime1">
               <a:rPr lang="uk-UA" smtClean="0"/>
               <a:pPr/>
-              <a:t>10.12.2020</a:t>
+              <a:t>14.12.2020</a:t>
             </a:fld>
             <a:endParaRPr lang="uk-UA"/>
           </a:p>
@@ -3246,7 +3246,7 @@
             <a:fld id="{E708ED03-0080-49A2-B709-7DA4ACB3A1C3}" type="datetime1">
               <a:rPr lang="uk-UA" smtClean="0"/>
               <a:pPr/>
-              <a:t>10.12.2020</a:t>
+              <a:t>14.12.2020</a:t>
             </a:fld>
             <a:endParaRPr lang="uk-UA"/>
           </a:p>
@@ -8936,7 +8936,7 @@
             <a:pPr algn="ctr"/>
             <a:r>
               <a:rPr lang="en-US" sz="7200" b="1" dirty="0" smtClean="0"/>
-              <a:t>9. </a:t>
+              <a:t>10. </a:t>
             </a:r>
             <a:r>
               <a:rPr lang="ru-RU" sz="7200" b="1" dirty="0" err="1" smtClean="0"/>
